--- a/slides/1차 발표.pptx
+++ b/slides/1차 발표.pptx
@@ -199,7 +199,8 @@
           <a:p>
             <a:fld id="{3D928454-01E9-4175-8449-0BDC0B672751}" type="datetimeFigureOut">
               <a:rPr lang="ko-KR" altLang="en-US" smtClean="0"/>
-              <a:t>2016-09-22</a:t>
+              <a:pPr/>
+              <a:t>2016-11-05</a:t>
             </a:fld>
             <a:endParaRPr lang="ko-KR" altLang="en-US"/>
           </a:p>
@@ -360,6 +361,7 @@
           <a:p>
             <a:fld id="{8D065B70-EF40-4EDC-BB1C-D9E04512C6B8}" type="slidenum">
               <a:rPr lang="ko-KR" altLang="en-US" smtClean="0"/>
+              <a:pPr/>
               <a:t>‹#›</a:t>
             </a:fld>
             <a:endParaRPr lang="ko-KR" altLang="en-US"/>
@@ -531,6 +533,7 @@
           <a:p>
             <a:fld id="{8D065B70-EF40-4EDC-BB1C-D9E04512C6B8}" type="slidenum">
               <a:rPr lang="ko-KR" altLang="en-US" smtClean="0"/>
+              <a:pPr/>
               <a:t>2</a:t>
             </a:fld>
             <a:endParaRPr lang="ko-KR" altLang="en-US"/>
@@ -837,7 +840,7 @@
             <a:fld id="{4C137F1F-C10E-4507-A766-C9CB0838DB3B}" type="datetimeFigureOut">
               <a:rPr lang="ko-KR" altLang="en-US" smtClean="0"/>
               <a:pPr/>
-              <a:t>2016-09-22</a:t>
+              <a:t>2016-11-05</a:t>
             </a:fld>
             <a:endParaRPr lang="ko-KR" altLang="en-US" dirty="0"/>
           </a:p>
@@ -1030,7 +1033,7 @@
             <a:fld id="{4C137F1F-C10E-4507-A766-C9CB0838DB3B}" type="datetimeFigureOut">
               <a:rPr lang="ko-KR" altLang="en-US" smtClean="0"/>
               <a:pPr/>
-              <a:t>2016-09-22</a:t>
+              <a:t>2016-11-05</a:t>
             </a:fld>
             <a:endParaRPr lang="ko-KR" altLang="en-US" dirty="0"/>
           </a:p>
@@ -1217,7 +1220,7 @@
             <a:fld id="{4C137F1F-C10E-4507-A766-C9CB0838DB3B}" type="datetimeFigureOut">
               <a:rPr lang="ko-KR" altLang="en-US" smtClean="0"/>
               <a:pPr/>
-              <a:t>2016-09-22</a:t>
+              <a:t>2016-11-05</a:t>
             </a:fld>
             <a:endParaRPr lang="ko-KR" altLang="en-US" dirty="0"/>
           </a:p>
@@ -1482,7 +1485,7 @@
             <a:fld id="{4C137F1F-C10E-4507-A766-C9CB0838DB3B}" type="datetimeFigureOut">
               <a:rPr lang="ko-KR" altLang="en-US" smtClean="0"/>
               <a:pPr/>
-              <a:t>2016-09-22</a:t>
+              <a:t>2016-11-05</a:t>
             </a:fld>
             <a:endParaRPr lang="ko-KR" altLang="en-US" dirty="0"/>
           </a:p>
@@ -1900,7 +1903,7 @@
             <a:fld id="{4C137F1F-C10E-4507-A766-C9CB0838DB3B}" type="datetimeFigureOut">
               <a:rPr lang="ko-KR" altLang="en-US" smtClean="0"/>
               <a:pPr/>
-              <a:t>2016-09-22</a:t>
+              <a:t>2016-11-05</a:t>
             </a:fld>
             <a:endParaRPr lang="ko-KR" altLang="en-US" dirty="0"/>
           </a:p>
@@ -2144,7 +2147,7 @@
             <a:fld id="{4C137F1F-C10E-4507-A766-C9CB0838DB3B}" type="datetimeFigureOut">
               <a:rPr lang="ko-KR" altLang="en-US" smtClean="0"/>
               <a:pPr/>
-              <a:t>2016-09-22</a:t>
+              <a:t>2016-11-05</a:t>
             </a:fld>
             <a:endParaRPr lang="ko-KR" altLang="en-US" dirty="0"/>
           </a:p>
@@ -2382,7 +2385,7 @@
             <a:fld id="{4C137F1F-C10E-4507-A766-C9CB0838DB3B}" type="datetimeFigureOut">
               <a:rPr lang="ko-KR" altLang="en-US" smtClean="0"/>
               <a:pPr/>
-              <a:t>2016-09-22</a:t>
+              <a:t>2016-11-05</a:t>
             </a:fld>
             <a:endParaRPr lang="ko-KR" altLang="en-US" dirty="0"/>
           </a:p>
@@ -2579,7 +2582,7 @@
             <a:fld id="{4C137F1F-C10E-4507-A766-C9CB0838DB3B}" type="datetimeFigureOut">
               <a:rPr lang="ko-KR" altLang="en-US" smtClean="0"/>
               <a:pPr/>
-              <a:t>2016-09-22</a:t>
+              <a:t>2016-11-05</a:t>
             </a:fld>
             <a:endParaRPr lang="ko-KR" altLang="en-US" dirty="0"/>
           </a:p>
@@ -2679,7 +2682,7 @@
             <a:fld id="{4C137F1F-C10E-4507-A766-C9CB0838DB3B}" type="datetimeFigureOut">
               <a:rPr lang="ko-KR" altLang="en-US" smtClean="0"/>
               <a:pPr/>
-              <a:t>2016-09-22</a:t>
+              <a:t>2016-11-05</a:t>
             </a:fld>
             <a:endParaRPr lang="ko-KR" altLang="en-US" dirty="0"/>
           </a:p>
@@ -2817,7 +2820,7 @@
             <a:fld id="{4C137F1F-C10E-4507-A766-C9CB0838DB3B}" type="datetimeFigureOut">
               <a:rPr lang="ko-KR" altLang="en-US" smtClean="0"/>
               <a:pPr/>
-              <a:t>2016-09-22</a:t>
+              <a:t>2016-11-05</a:t>
             </a:fld>
             <a:endParaRPr lang="ko-KR" altLang="en-US" dirty="0"/>
           </a:p>
@@ -3337,7 +3340,7 @@
             <a:fld id="{4C137F1F-C10E-4507-A766-C9CB0838DB3B}" type="datetimeFigureOut">
               <a:rPr lang="ko-KR" altLang="en-US" smtClean="0"/>
               <a:pPr/>
-              <a:t>2016-09-22</a:t>
+              <a:t>2016-11-05</a:t>
             </a:fld>
             <a:endParaRPr lang="ko-KR" altLang="en-US" dirty="0"/>
           </a:p>
@@ -3600,7 +3603,7 @@
             <a:fld id="{4C137F1F-C10E-4507-A766-C9CB0838DB3B}" type="datetimeFigureOut">
               <a:rPr lang="ko-KR" altLang="en-US" smtClean="0"/>
               <a:pPr/>
-              <a:t>2016-09-22</a:t>
+              <a:t>2016-11-05</a:t>
             </a:fld>
             <a:endParaRPr lang="ko-KR" altLang="en-US" dirty="0"/>
           </a:p>
@@ -5031,7 +5034,7 @@
           <a:blip r:embed="rId3">
             <a:extLst>
               <a:ext uri="{28A0092B-C50C-407E-A947-70E740481C1C}">
-                <a14:useLocalDpi xmlns:a14="http://schemas.microsoft.com/office/drawing/2010/main" xmlns="" val="0"/>
+                <a14:useLocalDpi xmlns="" xmlns:a14="http://schemas.microsoft.com/office/drawing/2010/main" val="0"/>
               </a:ext>
             </a:extLst>
           </a:blip>
@@ -5221,7 +5224,7 @@
           <p:nvPr>
             <p:extLst>
               <p:ext uri="{D42A27DB-BD31-4B8C-83A1-F6EECF244321}">
-                <p14:modId xmlns="" xmlns:p14="http://schemas.microsoft.com/office/powerpoint/2010/main" val="1121788338"/>
+                <p14:modId xmlns:p14="http://schemas.microsoft.com/office/powerpoint/2010/main" xmlns="" val="1121788338"/>
               </p:ext>
             </p:extLst>
           </p:nvPr>
@@ -7379,14 +7382,14 @@
           <p:nvPr>
             <p:extLst>
               <p:ext uri="{D42A27DB-BD31-4B8C-83A1-F6EECF244321}">
-                <p14:modId xmlns:p14="http://schemas.microsoft.com/office/powerpoint/2010/main" xmlns="" val="1859374909"/>
+                <p14:modId xmlns="" xmlns:p14="http://schemas.microsoft.com/office/powerpoint/2010/main" val="1859374909"/>
               </p:ext>
             </p:extLst>
           </p:nvPr>
         </p:nvGraphicFramePr>
         <p:xfrm>
-          <a:off x="214282" y="1071546"/>
-          <a:ext cx="8715436" cy="5791744"/>
+          <a:off x="214282" y="1500174"/>
+          <a:ext cx="8715436" cy="5072099"/>
         </p:xfrm>
         <a:graphic>
           <a:graphicData uri="http://schemas.openxmlformats.org/drawingml/2006/table">
@@ -7399,7 +7402,7 @@
                 <a:gridCol w="2071702"/>
                 <a:gridCol w="5500726"/>
               </a:tblGrid>
-              <a:tr h="364279">
+              <a:tr h="336276">
                 <a:tc>
                   <a:txBody>
                     <a:bodyPr/>
@@ -7555,7 +7558,7 @@
                   </a:tcPr>
                 </a:tc>
               </a:tr>
-              <a:tr h="629750">
+              <a:tr h="761596">
                 <a:tc>
                   <a:txBody>
                     <a:bodyPr/>
@@ -7699,7 +7702,7 @@
                   </a:tcPr>
                 </a:tc>
               </a:tr>
-              <a:tr h="364279">
+              <a:tr h="408506">
                 <a:tc>
                   <a:txBody>
                     <a:bodyPr/>
@@ -7811,7 +7814,7 @@
                   </a:tcPr>
                 </a:tc>
               </a:tr>
-              <a:tr h="364279">
+              <a:tr h="408506">
                 <a:tc>
                   <a:txBody>
                     <a:bodyPr/>
@@ -7935,7 +7938,7 @@
                   </a:tcPr>
                 </a:tc>
               </a:tr>
-              <a:tr h="364279">
+              <a:tr h="408506">
                 <a:tc>
                   <a:txBody>
                     <a:bodyPr/>
@@ -8066,7 +8069,7 @@
                   </a:tcPr>
                 </a:tc>
               </a:tr>
-              <a:tr h="612703">
+              <a:tr h="408506">
                 <a:tc>
                   <a:txBody>
                     <a:bodyPr/>
@@ -8214,7 +8217,7 @@
                   </a:tcPr>
                 </a:tc>
               </a:tr>
-              <a:tr h="869789">
+              <a:tr h="1114685">
                 <a:tc>
                   <a:txBody>
                     <a:bodyPr/>
@@ -8386,7 +8389,7 @@
                   </a:tcPr>
                 </a:tc>
               </a:tr>
-              <a:tr h="562802">
+              <a:tr h="408506">
                 <a:tc>
                   <a:txBody>
                     <a:bodyPr/>
@@ -8510,7 +8513,7 @@
                   </a:tcPr>
                 </a:tc>
               </a:tr>
-              <a:tr h="364279">
+              <a:tr h="408506">
                 <a:tc>
                   <a:txBody>
                     <a:bodyPr/>
@@ -8622,7 +8625,7 @@
                   </a:tcPr>
                 </a:tc>
               </a:tr>
-              <a:tr h="364279">
+              <a:tr h="408506">
                 <a:tc>
                   <a:txBody>
                     <a:bodyPr/>
@@ -8681,7 +8684,7 @@
                           <a:latin typeface="맑은 고딕" pitchFamily="50" charset="-127"/>
                           <a:ea typeface="맑은 고딕" pitchFamily="50" charset="-127"/>
                         </a:rPr>
-                        <a:t>테스트 및 수정</a:t>
+                        <a:t>최종</a:t>
                       </a:r>
                       <a:endParaRPr lang="ko-KR" altLang="en-US" sz="1400" spc="0" dirty="0">
                         <a:solidFill>
@@ -8741,118 +8744,6 @@
                   </a:tcPr>
                 </a:tc>
               </a:tr>
-              <a:tr h="354235">
-                <a:tc>
-                  <a:txBody>
-                    <a:bodyPr/>
-                    <a:lstStyle/>
-                    <a:p>
-                      <a:pPr lvl="0" algn="ctr" latinLnBrk="1"/>
-                      <a:r>
-                        <a:rPr lang="en-US" altLang="ko-KR" sz="1400" spc="0" dirty="0" smtClean="0">
-                          <a:solidFill>
-                            <a:schemeClr val="bg1"/>
-                          </a:solidFill>
-                          <a:latin typeface="맑은 고딕" pitchFamily="50" charset="-127"/>
-                          <a:ea typeface="맑은 고딕" pitchFamily="50" charset="-127"/>
-                        </a:rPr>
-                        <a:t>11</a:t>
-                      </a:r>
-                      <a:r>
-                        <a:rPr lang="ko-KR" altLang="en-US" sz="1400" spc="0" dirty="0" smtClean="0">
-                          <a:solidFill>
-                            <a:schemeClr val="bg1"/>
-                          </a:solidFill>
-                          <a:latin typeface="맑은 고딕" pitchFamily="50" charset="-127"/>
-                          <a:ea typeface="맑은 고딕" pitchFamily="50" charset="-127"/>
-                        </a:rPr>
-                        <a:t>주차</a:t>
-                      </a:r>
-                      <a:endParaRPr lang="ko-KR" altLang="en-US" sz="1400" spc="0" dirty="0">
-                        <a:solidFill>
-                          <a:schemeClr val="bg1"/>
-                        </a:solidFill>
-                        <a:latin typeface="맑은 고딕" pitchFamily="50" charset="-127"/>
-                        <a:ea typeface="맑은 고딕" pitchFamily="50" charset="-127"/>
-                      </a:endParaRPr>
-                    </a:p>
-                  </a:txBody>
-                  <a:tcPr anchor="ctr">
-                    <a:solidFill>
-                      <a:schemeClr val="accent4">
-                        <a:lumMod val="60000"/>
-                        <a:lumOff val="40000"/>
-                      </a:schemeClr>
-                    </a:solidFill>
-                  </a:tcPr>
-                </a:tc>
-                <a:tc>
-                  <a:txBody>
-                    <a:bodyPr/>
-                    <a:lstStyle/>
-                    <a:p>
-                      <a:pPr lvl="0" algn="ctr" latinLnBrk="1"/>
-                      <a:r>
-                        <a:rPr lang="ko-KR" altLang="en-US" sz="1400" spc="0" dirty="0" smtClean="0">
-                          <a:solidFill>
-                            <a:schemeClr val="tx1"/>
-                          </a:solidFill>
-                          <a:latin typeface="맑은 고딕" pitchFamily="50" charset="-127"/>
-                          <a:ea typeface="맑은 고딕" pitchFamily="50" charset="-127"/>
-                        </a:rPr>
-                        <a:t>최종</a:t>
-                      </a:r>
-                      <a:endParaRPr lang="ko-KR" altLang="en-US" sz="1400" spc="0" dirty="0">
-                        <a:solidFill>
-                          <a:schemeClr val="tx1"/>
-                        </a:solidFill>
-                        <a:latin typeface="맑은 고딕" pitchFamily="50" charset="-127"/>
-                        <a:ea typeface="맑은 고딕" pitchFamily="50" charset="-127"/>
-                      </a:endParaRPr>
-                    </a:p>
-                  </a:txBody>
-                  <a:tcPr anchor="ctr">
-                    <a:solidFill>
-                      <a:schemeClr val="accent4">
-                        <a:lumMod val="40000"/>
-                        <a:lumOff val="60000"/>
-                      </a:schemeClr>
-                    </a:solidFill>
-                  </a:tcPr>
-                </a:tc>
-                <a:tc>
-                  <a:txBody>
-                    <a:bodyPr/>
-                    <a:lstStyle/>
-                    <a:p>
-                      <a:pPr lvl="0" algn="ctr" latinLnBrk="1">
-                        <a:lnSpc>
-                          <a:spcPct val="150000"/>
-                        </a:lnSpc>
-                      </a:pPr>
-                      <a:r>
-                        <a:rPr lang="ko-KR" altLang="en-US" sz="1400" spc="0" dirty="0" smtClean="0">
-                          <a:latin typeface="맑은 고딕" pitchFamily="50" charset="-127"/>
-                          <a:ea typeface="맑은 고딕" pitchFamily="50" charset="-127"/>
-                        </a:rPr>
-                        <a:t>최종 발표  및  마무리</a:t>
-                      </a:r>
-                      <a:endParaRPr lang="ko-KR" altLang="en-US" sz="1400" spc="0" dirty="0">
-                        <a:latin typeface="맑은 고딕" pitchFamily="50" charset="-127"/>
-                        <a:ea typeface="맑은 고딕" pitchFamily="50" charset="-127"/>
-                      </a:endParaRPr>
-                    </a:p>
-                  </a:txBody>
-                  <a:tcPr anchor="ctr">
-                    <a:solidFill>
-                      <a:schemeClr val="accent4">
-                        <a:lumMod val="40000"/>
-                        <a:lumOff val="60000"/>
-                      </a:schemeClr>
-                    </a:solidFill>
-                  </a:tcPr>
-                </a:tc>
-              </a:tr>
             </a:tbl>
           </a:graphicData>
         </a:graphic>
@@ -9240,7 +9131,7 @@
           <p:nvPr>
             <p:extLst>
               <p:ext uri="{D42A27DB-BD31-4B8C-83A1-F6EECF244321}">
-                <p14:modId xmlns:p14="http://schemas.microsoft.com/office/powerpoint/2010/main" xmlns="" val="623284538"/>
+                <p14:modId xmlns="" xmlns:p14="http://schemas.microsoft.com/office/powerpoint/2010/main" val="623284538"/>
               </p:ext>
             </p:extLst>
           </p:nvPr>
